--- a/PPT/ATAM演示.pptx
+++ b/PPT/ATAM演示.pptx
@@ -7689,12 +7689,12 @@
   <p:clrMapOvr>
     <a:masterClrMapping/>
   </p:clrMapOvr>
-  <mc:AlternateContent xmlns:mc="http://schemas.openxmlformats.org/markup-compatibility/2006" xmlns:p14="http://schemas.microsoft.com/office/powerpoint/2010/main">
-    <mc:Choice Requires="p14">
-      <p:transition p14:dur="0"/>
+  <mc:AlternateContent xmlns:mc="http://schemas.openxmlformats.org/markup-compatibility/2006">
+    <mc:Choice xmlns:p14="http://schemas.microsoft.com/office/powerpoint/2010/main" Requires="p14">
+      <p:transition p14:dur="0" advTm="4194"/>
     </mc:Choice>
-    <mc:Fallback xmlns="">
-      <p:transition/>
+    <mc:Fallback>
+      <p:transition advTm="4194"/>
     </mc:Fallback>
   </mc:AlternateContent>
   <p:timing>
@@ -11686,7 +11686,7 @@
               <a:buNone/>
             </a:pPr>
             <a:r>
-              <a:rPr lang="zh-CN" altLang="en-US" sz="4000" b="1" smtClean="0">
+              <a:rPr lang="zh-CN" altLang="en-US" sz="4000" b="1" dirty="0" smtClean="0">
                 <a:solidFill>
                   <a:schemeClr val="bg1">
                     <a:lumMod val="50000"/>
